--- a/assets/tactile_image_files/0022-groundwater_flow_natural_conditions/0022-groundwater_flow_natural_conditions.pptx
+++ b/assets/tactile_image_files/0022-groundwater_flow_natural_conditions/0022-groundwater_flow_natural_conditions.pptx
@@ -198,7 +198,7 @@
           </a:lstStyle>
           <a:p>
             <a:fld id="{DC880F74-5F87-E94E-8AEF-72C270124CC0}" type="datetimeFigureOut">
-              <a:t>7/23/20</a:t>
+              <a:t>1/8/21</a:t>
             </a:fld>
             <a:endParaRPr lang="en-US"/>
           </a:p>
@@ -603,7 +603,7 @@
           <a:p>
             <a:fld id="{E796F801-3BB8-A247-923B-F07F1B58D38A}" type="datetimeFigureOut">
               <a:rPr lang="en-US" smtClean="0"/>
-              <a:t>7/23/20</a:t>
+              <a:t>1/8/21</a:t>
             </a:fld>
             <a:endParaRPr lang="en-US"/>
           </a:p>
@@ -783,7 +783,7 @@
           <a:p>
             <a:fld id="{E796F801-3BB8-A247-923B-F07F1B58D38A}" type="datetimeFigureOut">
               <a:rPr lang="en-US" smtClean="0"/>
-              <a:t>7/23/20</a:t>
+              <a:t>1/8/21</a:t>
             </a:fld>
             <a:endParaRPr lang="en-US"/>
           </a:p>
@@ -953,7 +953,7 @@
           <a:p>
             <a:fld id="{E796F801-3BB8-A247-923B-F07F1B58D38A}" type="datetimeFigureOut">
               <a:rPr lang="en-US" smtClean="0"/>
-              <a:t>7/23/20</a:t>
+              <a:t>1/8/21</a:t>
             </a:fld>
             <a:endParaRPr lang="en-US"/>
           </a:p>
@@ -1197,7 +1197,7 @@
           <a:p>
             <a:fld id="{E796F801-3BB8-A247-923B-F07F1B58D38A}" type="datetimeFigureOut">
               <a:rPr lang="en-US" smtClean="0"/>
-              <a:t>7/23/20</a:t>
+              <a:t>1/8/21</a:t>
             </a:fld>
             <a:endParaRPr lang="en-US"/>
           </a:p>
@@ -1429,7 +1429,7 @@
           <a:p>
             <a:fld id="{E796F801-3BB8-A247-923B-F07F1B58D38A}" type="datetimeFigureOut">
               <a:rPr lang="en-US" smtClean="0"/>
-              <a:t>7/23/20</a:t>
+              <a:t>1/8/21</a:t>
             </a:fld>
             <a:endParaRPr lang="en-US"/>
           </a:p>
@@ -1796,7 +1796,7 @@
           <a:p>
             <a:fld id="{E796F801-3BB8-A247-923B-F07F1B58D38A}" type="datetimeFigureOut">
               <a:rPr lang="en-US" smtClean="0"/>
-              <a:t>7/23/20</a:t>
+              <a:t>1/8/21</a:t>
             </a:fld>
             <a:endParaRPr lang="en-US"/>
           </a:p>
@@ -1914,7 +1914,7 @@
           <a:p>
             <a:fld id="{E796F801-3BB8-A247-923B-F07F1B58D38A}" type="datetimeFigureOut">
               <a:rPr lang="en-US" smtClean="0"/>
-              <a:t>7/23/20</a:t>
+              <a:t>1/8/21</a:t>
             </a:fld>
             <a:endParaRPr lang="en-US"/>
           </a:p>
@@ -2009,7 +2009,7 @@
           <a:p>
             <a:fld id="{E796F801-3BB8-A247-923B-F07F1B58D38A}" type="datetimeFigureOut">
               <a:rPr lang="en-US" smtClean="0"/>
-              <a:t>7/23/20</a:t>
+              <a:t>1/8/21</a:t>
             </a:fld>
             <a:endParaRPr lang="en-US"/>
           </a:p>
@@ -2286,7 +2286,7 @@
           <a:p>
             <a:fld id="{E796F801-3BB8-A247-923B-F07F1B58D38A}" type="datetimeFigureOut">
               <a:rPr lang="en-US" smtClean="0"/>
-              <a:t>7/23/20</a:t>
+              <a:t>1/8/21</a:t>
             </a:fld>
             <a:endParaRPr lang="en-US"/>
           </a:p>
@@ -2543,7 +2543,7 @@
           <a:p>
             <a:fld id="{E796F801-3BB8-A247-923B-F07F1B58D38A}" type="datetimeFigureOut">
               <a:rPr lang="en-US" smtClean="0"/>
-              <a:t>7/23/20</a:t>
+              <a:t>1/8/21</a:t>
             </a:fld>
             <a:endParaRPr lang="en-US"/>
           </a:p>
@@ -2756,7 +2756,7 @@
           <a:p>
             <a:fld id="{E796F801-3BB8-A247-923B-F07F1B58D38A}" type="datetimeFigureOut">
               <a:rPr lang="en-US" smtClean="0"/>
-              <a:t>7/23/20</a:t>
+              <a:t>1/8/21</a:t>
             </a:fld>
             <a:endParaRPr lang="en-US"/>
           </a:p>
@@ -3877,7 +3877,7 @@
         </p:nvSpPr>
         <p:spPr>
           <a:xfrm>
-            <a:off x="3563580" y="2931042"/>
+            <a:off x="3829395" y="2665228"/>
             <a:ext cx="950901" cy="307777"/>
           </a:xfrm>
           <a:prstGeom prst="rect">
@@ -3991,8 +3991,8 @@
         </p:nvSpPr>
         <p:spPr>
           <a:xfrm>
-            <a:off x="5828314" y="3122429"/>
-            <a:ext cx="843519" cy="523220"/>
+            <a:off x="6636389" y="2643964"/>
+            <a:ext cx="1295499" cy="307777"/>
           </a:xfrm>
           <a:prstGeom prst="rect">
             <a:avLst/>
@@ -4010,16 +4010,7 @@
                 <a:latin typeface="Arial" panose="020B0604020202020204" pitchFamily="34" charset="0"/>
                 <a:cs typeface="Arial" panose="020B0604020202020204" pitchFamily="34" charset="0"/>
               </a:rPr>
-              <a:t>riparian</a:t>
-            </a:r>
-          </a:p>
-          <a:p>
-            <a:r>
-              <a:rPr lang="en-US" sz="1400">
-                <a:latin typeface="Arial" panose="020B0604020202020204" pitchFamily="34" charset="0"/>
-                <a:cs typeface="Arial" panose="020B0604020202020204" pitchFamily="34" charset="0"/>
-              </a:rPr>
-              <a:t>zone</a:t>
+              <a:t>riparian zone</a:t>
             </a:r>
           </a:p>
         </p:txBody>
@@ -4062,6 +4053,92 @@
           </a:p>
         </p:txBody>
       </p:sp>
+      <p:cxnSp>
+        <p:nvCxnSpPr>
+          <p:cNvPr id="33" name="Straight Connector 32">
+            <a:extLst>
+              <a:ext uri="{FF2B5EF4-FFF2-40B4-BE49-F238E27FC236}">
+                <a16:creationId xmlns:a16="http://schemas.microsoft.com/office/drawing/2014/main" id="{B688EF1D-24E2-9840-938C-4912EDA63784}"/>
+              </a:ext>
+            </a:extLst>
+          </p:cNvPr>
+          <p:cNvCxnSpPr>
+            <a:cxnSpLocks/>
+          </p:cNvCxnSpPr>
+          <p:nvPr/>
+        </p:nvCxnSpPr>
+        <p:spPr>
+          <a:xfrm flipH="1">
+            <a:off x="6198782" y="2998381"/>
+            <a:ext cx="563525" cy="669852"/>
+          </a:xfrm>
+          <a:prstGeom prst="line">
+            <a:avLst/>
+          </a:prstGeom>
+          <a:ln w="22225">
+            <a:solidFill>
+              <a:schemeClr val="tx1"/>
+            </a:solidFill>
+          </a:ln>
+        </p:spPr>
+        <p:style>
+          <a:lnRef idx="1">
+            <a:schemeClr val="accent1"/>
+          </a:lnRef>
+          <a:fillRef idx="0">
+            <a:schemeClr val="accent1"/>
+          </a:fillRef>
+          <a:effectRef idx="0">
+            <a:schemeClr val="accent1"/>
+          </a:effectRef>
+          <a:fontRef idx="minor">
+            <a:schemeClr val="tx1"/>
+          </a:fontRef>
+        </p:style>
+      </p:cxnSp>
+      <p:cxnSp>
+        <p:nvCxnSpPr>
+          <p:cNvPr id="34" name="Straight Connector 33">
+            <a:extLst>
+              <a:ext uri="{FF2B5EF4-FFF2-40B4-BE49-F238E27FC236}">
+                <a16:creationId xmlns:a16="http://schemas.microsoft.com/office/drawing/2014/main" id="{0272BDFD-1D3F-A140-B4D6-435C53C1466A}"/>
+              </a:ext>
+            </a:extLst>
+          </p:cNvPr>
+          <p:cNvCxnSpPr>
+            <a:cxnSpLocks/>
+          </p:cNvCxnSpPr>
+          <p:nvPr/>
+        </p:nvCxnSpPr>
+        <p:spPr>
+          <a:xfrm flipH="1">
+            <a:off x="3810003" y="2998381"/>
+            <a:ext cx="283532" cy="428847"/>
+          </a:xfrm>
+          <a:prstGeom prst="line">
+            <a:avLst/>
+          </a:prstGeom>
+          <a:ln w="22225">
+            <a:solidFill>
+              <a:schemeClr val="tx1"/>
+            </a:solidFill>
+          </a:ln>
+        </p:spPr>
+        <p:style>
+          <a:lnRef idx="1">
+            <a:schemeClr val="accent1"/>
+          </a:lnRef>
+          <a:fillRef idx="0">
+            <a:schemeClr val="accent1"/>
+          </a:fillRef>
+          <a:effectRef idx="0">
+            <a:schemeClr val="accent1"/>
+          </a:effectRef>
+          <a:fontRef idx="minor">
+            <a:schemeClr val="tx1"/>
+          </a:fontRef>
+        </p:style>
+      </p:cxnSp>
     </p:spTree>
     <p:extLst>
       <p:ext uri="{BB962C8B-B14F-4D97-AF65-F5344CB8AC3E}">
@@ -4698,7 +4775,7 @@
           <p:nvPr/>
         </p:nvSpPr>
         <p:spPr>
-          <a:xfrm rot="312325">
+          <a:xfrm rot="253411">
             <a:off x="478026" y="2978585"/>
             <a:ext cx="2476960" cy="461665"/>
           </a:xfrm>
@@ -4771,7 +4848,7 @@
         </p:nvSpPr>
         <p:spPr>
           <a:xfrm>
-            <a:off x="3952785" y="2074817"/>
+            <a:off x="4048478" y="2032287"/>
             <a:ext cx="2635658" cy="461665"/>
           </a:xfrm>
           <a:prstGeom prst="rect">
@@ -4807,7 +4884,7 @@
         </p:nvSpPr>
         <p:spPr>
           <a:xfrm>
-            <a:off x="3317835" y="2734036"/>
+            <a:off x="3764402" y="2617077"/>
             <a:ext cx="2276585" cy="461665"/>
           </a:xfrm>
           <a:prstGeom prst="rect">
@@ -4915,7 +4992,7 @@
         </p:nvSpPr>
         <p:spPr>
           <a:xfrm>
-            <a:off x="5704388" y="3137066"/>
+            <a:off x="6434604" y="2552276"/>
             <a:ext cx="2709396" cy="461665"/>
           </a:xfrm>
           <a:prstGeom prst="rect">
@@ -4937,6 +5014,92 @@
           </a:p>
         </p:txBody>
       </p:sp>
+      <p:cxnSp>
+        <p:nvCxnSpPr>
+          <p:cNvPr id="4" name="Straight Connector 3">
+            <a:extLst>
+              <a:ext uri="{FF2B5EF4-FFF2-40B4-BE49-F238E27FC236}">
+                <a16:creationId xmlns:a16="http://schemas.microsoft.com/office/drawing/2014/main" id="{BD6BF1D3-5859-0949-91FC-5015D292C942}"/>
+              </a:ext>
+            </a:extLst>
+          </p:cNvPr>
+          <p:cNvCxnSpPr>
+            <a:cxnSpLocks/>
+          </p:cNvCxnSpPr>
+          <p:nvPr/>
+        </p:nvCxnSpPr>
+        <p:spPr>
+          <a:xfrm flipH="1">
+            <a:off x="6198782" y="2998381"/>
+            <a:ext cx="563525" cy="669852"/>
+          </a:xfrm>
+          <a:prstGeom prst="line">
+            <a:avLst/>
+          </a:prstGeom>
+          <a:ln w="22225">
+            <a:solidFill>
+              <a:schemeClr val="tx1"/>
+            </a:solidFill>
+          </a:ln>
+        </p:spPr>
+        <p:style>
+          <a:lnRef idx="1">
+            <a:schemeClr val="accent1"/>
+          </a:lnRef>
+          <a:fillRef idx="0">
+            <a:schemeClr val="accent1"/>
+          </a:fillRef>
+          <a:effectRef idx="0">
+            <a:schemeClr val="accent1"/>
+          </a:effectRef>
+          <a:fontRef idx="minor">
+            <a:schemeClr val="tx1"/>
+          </a:fontRef>
+        </p:style>
+      </p:cxnSp>
+      <p:cxnSp>
+        <p:nvCxnSpPr>
+          <p:cNvPr id="26" name="Straight Connector 25">
+            <a:extLst>
+              <a:ext uri="{FF2B5EF4-FFF2-40B4-BE49-F238E27FC236}">
+                <a16:creationId xmlns:a16="http://schemas.microsoft.com/office/drawing/2014/main" id="{79BCB264-B8EE-094A-94EE-95156D09F812}"/>
+              </a:ext>
+            </a:extLst>
+          </p:cNvPr>
+          <p:cNvCxnSpPr>
+            <a:cxnSpLocks/>
+          </p:cNvCxnSpPr>
+          <p:nvPr/>
+        </p:nvCxnSpPr>
+        <p:spPr>
+          <a:xfrm flipH="1">
+            <a:off x="3810003" y="2998381"/>
+            <a:ext cx="283532" cy="428847"/>
+          </a:xfrm>
+          <a:prstGeom prst="line">
+            <a:avLst/>
+          </a:prstGeom>
+          <a:ln w="22225">
+            <a:solidFill>
+              <a:schemeClr val="tx1"/>
+            </a:solidFill>
+          </a:ln>
+        </p:spPr>
+        <p:style>
+          <a:lnRef idx="1">
+            <a:schemeClr val="accent1"/>
+          </a:lnRef>
+          <a:fillRef idx="0">
+            <a:schemeClr val="accent1"/>
+          </a:fillRef>
+          <a:effectRef idx="0">
+            <a:schemeClr val="accent1"/>
+          </a:effectRef>
+          <a:fontRef idx="minor">
+            <a:schemeClr val="tx1"/>
+          </a:fontRef>
+        </p:style>
+      </p:cxnSp>
     </p:spTree>
     <p:extLst>
       <p:ext uri="{BB962C8B-B14F-4D97-AF65-F5344CB8AC3E}">

--- a/assets/tactile_image_files/0022-groundwater_flow_natural_conditions/0022-groundwater_flow_natural_conditions.pptx
+++ b/assets/tactile_image_files/0022-groundwater_flow_natural_conditions/0022-groundwater_flow_natural_conditions.pptx
@@ -198,7 +198,7 @@
           </a:lstStyle>
           <a:p>
             <a:fld id="{DC880F74-5F87-E94E-8AEF-72C270124CC0}" type="datetimeFigureOut">
-              <a:t>1/8/21</a:t>
+              <a:t>7/23/20</a:t>
             </a:fld>
             <a:endParaRPr lang="en-US"/>
           </a:p>
@@ -603,7 +603,7 @@
           <a:p>
             <a:fld id="{E796F801-3BB8-A247-923B-F07F1B58D38A}" type="datetimeFigureOut">
               <a:rPr lang="en-US" smtClean="0"/>
-              <a:t>1/8/21</a:t>
+              <a:t>7/23/20</a:t>
             </a:fld>
             <a:endParaRPr lang="en-US"/>
           </a:p>
@@ -783,7 +783,7 @@
           <a:p>
             <a:fld id="{E796F801-3BB8-A247-923B-F07F1B58D38A}" type="datetimeFigureOut">
               <a:rPr lang="en-US" smtClean="0"/>
-              <a:t>1/8/21</a:t>
+              <a:t>7/23/20</a:t>
             </a:fld>
             <a:endParaRPr lang="en-US"/>
           </a:p>
@@ -953,7 +953,7 @@
           <a:p>
             <a:fld id="{E796F801-3BB8-A247-923B-F07F1B58D38A}" type="datetimeFigureOut">
               <a:rPr lang="en-US" smtClean="0"/>
-              <a:t>1/8/21</a:t>
+              <a:t>7/23/20</a:t>
             </a:fld>
             <a:endParaRPr lang="en-US"/>
           </a:p>
@@ -1197,7 +1197,7 @@
           <a:p>
             <a:fld id="{E796F801-3BB8-A247-923B-F07F1B58D38A}" type="datetimeFigureOut">
               <a:rPr lang="en-US" smtClean="0"/>
-              <a:t>1/8/21</a:t>
+              <a:t>7/23/20</a:t>
             </a:fld>
             <a:endParaRPr lang="en-US"/>
           </a:p>
@@ -1429,7 +1429,7 @@
           <a:p>
             <a:fld id="{E796F801-3BB8-A247-923B-F07F1B58D38A}" type="datetimeFigureOut">
               <a:rPr lang="en-US" smtClean="0"/>
-              <a:t>1/8/21</a:t>
+              <a:t>7/23/20</a:t>
             </a:fld>
             <a:endParaRPr lang="en-US"/>
           </a:p>
@@ -1796,7 +1796,7 @@
           <a:p>
             <a:fld id="{E796F801-3BB8-A247-923B-F07F1B58D38A}" type="datetimeFigureOut">
               <a:rPr lang="en-US" smtClean="0"/>
-              <a:t>1/8/21</a:t>
+              <a:t>7/23/20</a:t>
             </a:fld>
             <a:endParaRPr lang="en-US"/>
           </a:p>
@@ -1914,7 +1914,7 @@
           <a:p>
             <a:fld id="{E796F801-3BB8-A247-923B-F07F1B58D38A}" type="datetimeFigureOut">
               <a:rPr lang="en-US" smtClean="0"/>
-              <a:t>1/8/21</a:t>
+              <a:t>7/23/20</a:t>
             </a:fld>
             <a:endParaRPr lang="en-US"/>
           </a:p>
@@ -2009,7 +2009,7 @@
           <a:p>
             <a:fld id="{E796F801-3BB8-A247-923B-F07F1B58D38A}" type="datetimeFigureOut">
               <a:rPr lang="en-US" smtClean="0"/>
-              <a:t>1/8/21</a:t>
+              <a:t>7/23/20</a:t>
             </a:fld>
             <a:endParaRPr lang="en-US"/>
           </a:p>
@@ -2286,7 +2286,7 @@
           <a:p>
             <a:fld id="{E796F801-3BB8-A247-923B-F07F1B58D38A}" type="datetimeFigureOut">
               <a:rPr lang="en-US" smtClean="0"/>
-              <a:t>1/8/21</a:t>
+              <a:t>7/23/20</a:t>
             </a:fld>
             <a:endParaRPr lang="en-US"/>
           </a:p>
@@ -2543,7 +2543,7 @@
           <a:p>
             <a:fld id="{E796F801-3BB8-A247-923B-F07F1B58D38A}" type="datetimeFigureOut">
               <a:rPr lang="en-US" smtClean="0"/>
-              <a:t>1/8/21</a:t>
+              <a:t>7/23/20</a:t>
             </a:fld>
             <a:endParaRPr lang="en-US"/>
           </a:p>
@@ -2756,7 +2756,7 @@
           <a:p>
             <a:fld id="{E796F801-3BB8-A247-923B-F07F1B58D38A}" type="datetimeFigureOut">
               <a:rPr lang="en-US" smtClean="0"/>
-              <a:t>1/8/21</a:t>
+              <a:t>7/23/20</a:t>
             </a:fld>
             <a:endParaRPr lang="en-US"/>
           </a:p>
@@ -3877,7 +3877,7 @@
         </p:nvSpPr>
         <p:spPr>
           <a:xfrm>
-            <a:off x="3829395" y="2665228"/>
+            <a:off x="3563580" y="2931042"/>
             <a:ext cx="950901" cy="307777"/>
           </a:xfrm>
           <a:prstGeom prst="rect">
@@ -3991,8 +3991,8 @@
         </p:nvSpPr>
         <p:spPr>
           <a:xfrm>
-            <a:off x="6636389" y="2643964"/>
-            <a:ext cx="1295499" cy="307777"/>
+            <a:off x="5828314" y="3122429"/>
+            <a:ext cx="843519" cy="523220"/>
           </a:xfrm>
           <a:prstGeom prst="rect">
             <a:avLst/>
@@ -4010,7 +4010,16 @@
                 <a:latin typeface="Arial" panose="020B0604020202020204" pitchFamily="34" charset="0"/>
                 <a:cs typeface="Arial" panose="020B0604020202020204" pitchFamily="34" charset="0"/>
               </a:rPr>
-              <a:t>riparian zone</a:t>
+              <a:t>riparian</a:t>
+            </a:r>
+          </a:p>
+          <a:p>
+            <a:r>
+              <a:rPr lang="en-US" sz="1400">
+                <a:latin typeface="Arial" panose="020B0604020202020204" pitchFamily="34" charset="0"/>
+                <a:cs typeface="Arial" panose="020B0604020202020204" pitchFamily="34" charset="0"/>
+              </a:rPr>
+              <a:t>zone</a:t>
             </a:r>
           </a:p>
         </p:txBody>
@@ -4053,92 +4062,6 @@
           </a:p>
         </p:txBody>
       </p:sp>
-      <p:cxnSp>
-        <p:nvCxnSpPr>
-          <p:cNvPr id="33" name="Straight Connector 32">
-            <a:extLst>
-              <a:ext uri="{FF2B5EF4-FFF2-40B4-BE49-F238E27FC236}">
-                <a16:creationId xmlns:a16="http://schemas.microsoft.com/office/drawing/2014/main" id="{B688EF1D-24E2-9840-938C-4912EDA63784}"/>
-              </a:ext>
-            </a:extLst>
-          </p:cNvPr>
-          <p:cNvCxnSpPr>
-            <a:cxnSpLocks/>
-          </p:cNvCxnSpPr>
-          <p:nvPr/>
-        </p:nvCxnSpPr>
-        <p:spPr>
-          <a:xfrm flipH="1">
-            <a:off x="6198782" y="2998381"/>
-            <a:ext cx="563525" cy="669852"/>
-          </a:xfrm>
-          <a:prstGeom prst="line">
-            <a:avLst/>
-          </a:prstGeom>
-          <a:ln w="22225">
-            <a:solidFill>
-              <a:schemeClr val="tx1"/>
-            </a:solidFill>
-          </a:ln>
-        </p:spPr>
-        <p:style>
-          <a:lnRef idx="1">
-            <a:schemeClr val="accent1"/>
-          </a:lnRef>
-          <a:fillRef idx="0">
-            <a:schemeClr val="accent1"/>
-          </a:fillRef>
-          <a:effectRef idx="0">
-            <a:schemeClr val="accent1"/>
-          </a:effectRef>
-          <a:fontRef idx="minor">
-            <a:schemeClr val="tx1"/>
-          </a:fontRef>
-        </p:style>
-      </p:cxnSp>
-      <p:cxnSp>
-        <p:nvCxnSpPr>
-          <p:cNvPr id="34" name="Straight Connector 33">
-            <a:extLst>
-              <a:ext uri="{FF2B5EF4-FFF2-40B4-BE49-F238E27FC236}">
-                <a16:creationId xmlns:a16="http://schemas.microsoft.com/office/drawing/2014/main" id="{0272BDFD-1D3F-A140-B4D6-435C53C1466A}"/>
-              </a:ext>
-            </a:extLst>
-          </p:cNvPr>
-          <p:cNvCxnSpPr>
-            <a:cxnSpLocks/>
-          </p:cNvCxnSpPr>
-          <p:nvPr/>
-        </p:nvCxnSpPr>
-        <p:spPr>
-          <a:xfrm flipH="1">
-            <a:off x="3810003" y="2998381"/>
-            <a:ext cx="283532" cy="428847"/>
-          </a:xfrm>
-          <a:prstGeom prst="line">
-            <a:avLst/>
-          </a:prstGeom>
-          <a:ln w="22225">
-            <a:solidFill>
-              <a:schemeClr val="tx1"/>
-            </a:solidFill>
-          </a:ln>
-        </p:spPr>
-        <p:style>
-          <a:lnRef idx="1">
-            <a:schemeClr val="accent1"/>
-          </a:lnRef>
-          <a:fillRef idx="0">
-            <a:schemeClr val="accent1"/>
-          </a:fillRef>
-          <a:effectRef idx="0">
-            <a:schemeClr val="accent1"/>
-          </a:effectRef>
-          <a:fontRef idx="minor">
-            <a:schemeClr val="tx1"/>
-          </a:fontRef>
-        </p:style>
-      </p:cxnSp>
     </p:spTree>
     <p:extLst>
       <p:ext uri="{BB962C8B-B14F-4D97-AF65-F5344CB8AC3E}">
@@ -4775,7 +4698,7 @@
           <p:nvPr/>
         </p:nvSpPr>
         <p:spPr>
-          <a:xfrm rot="253411">
+          <a:xfrm rot="312325">
             <a:off x="478026" y="2978585"/>
             <a:ext cx="2476960" cy="461665"/>
           </a:xfrm>
@@ -4848,7 +4771,7 @@
         </p:nvSpPr>
         <p:spPr>
           <a:xfrm>
-            <a:off x="4048478" y="2032287"/>
+            <a:off x="3952785" y="2074817"/>
             <a:ext cx="2635658" cy="461665"/>
           </a:xfrm>
           <a:prstGeom prst="rect">
@@ -4884,7 +4807,7 @@
         </p:nvSpPr>
         <p:spPr>
           <a:xfrm>
-            <a:off x="3764402" y="2617077"/>
+            <a:off x="3317835" y="2734036"/>
             <a:ext cx="2276585" cy="461665"/>
           </a:xfrm>
           <a:prstGeom prst="rect">
@@ -4992,7 +4915,7 @@
         </p:nvSpPr>
         <p:spPr>
           <a:xfrm>
-            <a:off x="6434604" y="2552276"/>
+            <a:off x="5704388" y="3137066"/>
             <a:ext cx="2709396" cy="461665"/>
           </a:xfrm>
           <a:prstGeom prst="rect">
@@ -5014,92 +4937,6 @@
           </a:p>
         </p:txBody>
       </p:sp>
-      <p:cxnSp>
-        <p:nvCxnSpPr>
-          <p:cNvPr id="4" name="Straight Connector 3">
-            <a:extLst>
-              <a:ext uri="{FF2B5EF4-FFF2-40B4-BE49-F238E27FC236}">
-                <a16:creationId xmlns:a16="http://schemas.microsoft.com/office/drawing/2014/main" id="{BD6BF1D3-5859-0949-91FC-5015D292C942}"/>
-              </a:ext>
-            </a:extLst>
-          </p:cNvPr>
-          <p:cNvCxnSpPr>
-            <a:cxnSpLocks/>
-          </p:cNvCxnSpPr>
-          <p:nvPr/>
-        </p:nvCxnSpPr>
-        <p:spPr>
-          <a:xfrm flipH="1">
-            <a:off x="6198782" y="2998381"/>
-            <a:ext cx="563525" cy="669852"/>
-          </a:xfrm>
-          <a:prstGeom prst="line">
-            <a:avLst/>
-          </a:prstGeom>
-          <a:ln w="22225">
-            <a:solidFill>
-              <a:schemeClr val="tx1"/>
-            </a:solidFill>
-          </a:ln>
-        </p:spPr>
-        <p:style>
-          <a:lnRef idx="1">
-            <a:schemeClr val="accent1"/>
-          </a:lnRef>
-          <a:fillRef idx="0">
-            <a:schemeClr val="accent1"/>
-          </a:fillRef>
-          <a:effectRef idx="0">
-            <a:schemeClr val="accent1"/>
-          </a:effectRef>
-          <a:fontRef idx="minor">
-            <a:schemeClr val="tx1"/>
-          </a:fontRef>
-        </p:style>
-      </p:cxnSp>
-      <p:cxnSp>
-        <p:nvCxnSpPr>
-          <p:cNvPr id="26" name="Straight Connector 25">
-            <a:extLst>
-              <a:ext uri="{FF2B5EF4-FFF2-40B4-BE49-F238E27FC236}">
-                <a16:creationId xmlns:a16="http://schemas.microsoft.com/office/drawing/2014/main" id="{79BCB264-B8EE-094A-94EE-95156D09F812}"/>
-              </a:ext>
-            </a:extLst>
-          </p:cNvPr>
-          <p:cNvCxnSpPr>
-            <a:cxnSpLocks/>
-          </p:cNvCxnSpPr>
-          <p:nvPr/>
-        </p:nvCxnSpPr>
-        <p:spPr>
-          <a:xfrm flipH="1">
-            <a:off x="3810003" y="2998381"/>
-            <a:ext cx="283532" cy="428847"/>
-          </a:xfrm>
-          <a:prstGeom prst="line">
-            <a:avLst/>
-          </a:prstGeom>
-          <a:ln w="22225">
-            <a:solidFill>
-              <a:schemeClr val="tx1"/>
-            </a:solidFill>
-          </a:ln>
-        </p:spPr>
-        <p:style>
-          <a:lnRef idx="1">
-            <a:schemeClr val="accent1"/>
-          </a:lnRef>
-          <a:fillRef idx="0">
-            <a:schemeClr val="accent1"/>
-          </a:fillRef>
-          <a:effectRef idx="0">
-            <a:schemeClr val="accent1"/>
-          </a:effectRef>
-          <a:fontRef idx="minor">
-            <a:schemeClr val="tx1"/>
-          </a:fontRef>
-        </p:style>
-      </p:cxnSp>
     </p:spTree>
     <p:extLst>
       <p:ext uri="{BB962C8B-B14F-4D97-AF65-F5344CB8AC3E}">
